--- a/İNNOVA.PATİKA.JAVA.SPRİNG.pptx
+++ b/İNNOVA.PATİKA.JAVA.SPRİNG.pptx
@@ -320,7 +320,7 @@
           <a:p>
             <a:fld id="{68659054-1A14-4D9F-8454-194DBF1F3548}" type="datetimeFigureOut">
               <a:rPr lang="tr-TR" smtClean="0"/>
-              <a:t>24.01.2022</a:t>
+              <a:t>25.01.2022</a:t>
             </a:fld>
             <a:endParaRPr lang="tr-TR"/>
           </a:p>
@@ -541,7 +541,7 @@
           <a:p>
             <a:fld id="{68659054-1A14-4D9F-8454-194DBF1F3548}" type="datetimeFigureOut">
               <a:rPr lang="tr-TR" smtClean="0"/>
-              <a:t>24.01.2022</a:t>
+              <a:t>25.01.2022</a:t>
             </a:fld>
             <a:endParaRPr lang="tr-TR"/>
           </a:p>
@@ -721,7 +721,7 @@
           <a:p>
             <a:fld id="{68659054-1A14-4D9F-8454-194DBF1F3548}" type="datetimeFigureOut">
               <a:rPr lang="tr-TR" smtClean="0"/>
-              <a:t>24.01.2022</a:t>
+              <a:t>25.01.2022</a:t>
             </a:fld>
             <a:endParaRPr lang="tr-TR"/>
           </a:p>
@@ -891,7 +891,7 @@
           <a:p>
             <a:fld id="{68659054-1A14-4D9F-8454-194DBF1F3548}" type="datetimeFigureOut">
               <a:rPr lang="tr-TR" smtClean="0"/>
-              <a:t>24.01.2022</a:t>
+              <a:t>25.01.2022</a:t>
             </a:fld>
             <a:endParaRPr lang="tr-TR"/>
           </a:p>
@@ -1142,7 +1142,7 @@
           <a:p>
             <a:fld id="{68659054-1A14-4D9F-8454-194DBF1F3548}" type="datetimeFigureOut">
               <a:rPr lang="tr-TR" smtClean="0"/>
-              <a:t>24.01.2022</a:t>
+              <a:t>25.01.2022</a:t>
             </a:fld>
             <a:endParaRPr lang="tr-TR"/>
           </a:p>
@@ -1465,7 +1465,7 @@
           <a:p>
             <a:fld id="{68659054-1A14-4D9F-8454-194DBF1F3548}" type="datetimeFigureOut">
               <a:rPr lang="tr-TR" smtClean="0"/>
-              <a:t>24.01.2022</a:t>
+              <a:t>25.01.2022</a:t>
             </a:fld>
             <a:endParaRPr lang="tr-TR"/>
           </a:p>
@@ -1889,7 +1889,7 @@
           <a:p>
             <a:fld id="{68659054-1A14-4D9F-8454-194DBF1F3548}" type="datetimeFigureOut">
               <a:rPr lang="tr-TR" smtClean="0"/>
-              <a:t>24.01.2022</a:t>
+              <a:t>25.01.2022</a:t>
             </a:fld>
             <a:endParaRPr lang="tr-TR"/>
           </a:p>
@@ -2007,7 +2007,7 @@
           <a:p>
             <a:fld id="{68659054-1A14-4D9F-8454-194DBF1F3548}" type="datetimeFigureOut">
               <a:rPr lang="tr-TR" smtClean="0"/>
-              <a:t>24.01.2022</a:t>
+              <a:t>25.01.2022</a:t>
             </a:fld>
             <a:endParaRPr lang="tr-TR"/>
           </a:p>
@@ -2102,7 +2102,7 @@
           <a:p>
             <a:fld id="{68659054-1A14-4D9F-8454-194DBF1F3548}" type="datetimeFigureOut">
               <a:rPr lang="tr-TR" smtClean="0"/>
-              <a:t>24.01.2022</a:t>
+              <a:t>25.01.2022</a:t>
             </a:fld>
             <a:endParaRPr lang="tr-TR"/>
           </a:p>
@@ -2392,7 +2392,7 @@
           <a:p>
             <a:fld id="{68659054-1A14-4D9F-8454-194DBF1F3548}" type="datetimeFigureOut">
               <a:rPr lang="tr-TR" smtClean="0"/>
-              <a:t>24.01.2022</a:t>
+              <a:t>25.01.2022</a:t>
             </a:fld>
             <a:endParaRPr lang="tr-TR"/>
           </a:p>
@@ -2664,7 +2664,7 @@
           <a:p>
             <a:fld id="{68659054-1A14-4D9F-8454-194DBF1F3548}" type="datetimeFigureOut">
               <a:rPr lang="tr-TR" smtClean="0"/>
-              <a:t>24.01.2022</a:t>
+              <a:t>25.01.2022</a:t>
             </a:fld>
             <a:endParaRPr lang="tr-TR"/>
           </a:p>
@@ -2918,7 +2918,7 @@
           <a:p>
             <a:fld id="{68659054-1A14-4D9F-8454-194DBF1F3548}" type="datetimeFigureOut">
               <a:rPr lang="tr-TR" smtClean="0"/>
-              <a:t>24.01.2022</a:t>
+              <a:t>25.01.2022</a:t>
             </a:fld>
             <a:endParaRPr lang="tr-TR"/>
           </a:p>
@@ -3447,7 +3447,7 @@
           <a:p>
             <a:r>
               <a:rPr lang="tr-TR"/>
-              <a:t>ÜLKÜ KÜLEKÇİ 3.HAFTA ÖDEVİ</a:t>
+              <a:t>ÜLKÜ KÜLEKÇİ 3. HAFTA ÖDEVİ</a:t>
             </a:r>
           </a:p>
           <a:p>
@@ -3503,7 +3503,7 @@
         <p:spPr>
           <a:xfrm>
             <a:off x="1457739" y="1351722"/>
-            <a:ext cx="8931965" cy="3693319"/>
+            <a:ext cx="8931965" cy="4124206"/>
           </a:xfrm>
           <a:prstGeom prst="rect">
             <a:avLst/>
@@ -3515,6 +3515,20 @@
             <a:spAutoFit/>
           </a:bodyPr>
           <a:lstStyle/>
+          <a:p>
+            <a:r>
+              <a:rPr lang="tr-TR"/>
+              <a:t>                                                    </a:t>
+            </a:r>
+            <a:r>
+              <a:rPr lang="tr-TR" sz="2800">
+                <a:solidFill>
+                  <a:schemeClr val="accent1"/>
+                </a:solidFill>
+              </a:rPr>
+              <a:t>WAR dosyası</a:t>
+            </a:r>
+          </a:p>
           <a:p>
             <a:r>
               <a:rPr lang="tr-TR"/>
@@ -3577,7 +3591,7 @@
         <p:spPr>
           <a:xfrm>
             <a:off x="2438400" y="1862653"/>
-            <a:ext cx="6705600" cy="2862322"/>
+            <a:ext cx="6705600" cy="3016210"/>
           </a:xfrm>
           <a:prstGeom prst="rect">
             <a:avLst/>
@@ -3591,7 +3605,11 @@
           <a:lstStyle/>
           <a:p>
             <a:r>
-              <a:rPr lang="tr-TR"/>
+              <a:rPr lang="tr-TR" sz="2800">
+                <a:solidFill>
+                  <a:schemeClr val="accent1"/>
+                </a:solidFill>
+              </a:rPr>
               <a:t>.WAR dosyayı açmak için. </a:t>
             </a:r>
           </a:p>
@@ -3649,8 +3667,8 @@
           <p:nvPr/>
         </p:nvSpPr>
         <p:spPr>
-          <a:xfrm>
-            <a:off x="1630017" y="397565"/>
+          <a:xfrm rot="10800000" flipV="1">
+            <a:off x="1630017" y="1861639"/>
             <a:ext cx="9422296" cy="1477328"/>
           </a:xfrm>
           <a:prstGeom prst="rect">
@@ -3709,8 +3727,8 @@
         </p:nvSpPr>
         <p:spPr>
           <a:xfrm>
-            <a:off x="1630017" y="1874893"/>
-            <a:ext cx="8494645" cy="1754326"/>
+            <a:off x="1630017" y="3428999"/>
+            <a:ext cx="7699513" cy="1754326"/>
           </a:xfrm>
           <a:prstGeom prst="rect">
             <a:avLst/>
@@ -3737,16 +3755,48 @@
               <a:buFont typeface="Wingdings" panose="05000000000000000000" pitchFamily="2" charset="2"/>
               <a:buChar char="Ø"/>
             </a:pPr>
-            <a:endParaRPr lang="tr-TR"/>
-          </a:p>
-          <a:p>
-            <a:pPr marL="285750" indent="-285750">
-              <a:buFont typeface="Wingdings" panose="05000000000000000000" pitchFamily="2" charset="2"/>
-              <a:buChar char="Ø"/>
-            </a:pPr>
             <a:r>
               <a:rPr lang="tr-TR"/>
               <a:t>.war dosyaları:WAR dosyası , herhangi bir sunucu uygulaması / jsp kapsayıcısında dağıtılabilen web uygulamasını içerir . .War dosyası jsp, html, javascript ve web uygulamalarının geliştirilmesi için gerekli diğer dosyaları içerir.</a:t>
+            </a:r>
+          </a:p>
+        </p:txBody>
+      </p:sp>
+      <p:sp>
+        <p:nvSpPr>
+          <p:cNvPr id="6" name="Metin kutusu 5">
+            <a:extLst>
+              <a:ext uri="{FF2B5EF4-FFF2-40B4-BE49-F238E27FC236}">
+                <a16:creationId xmlns:a16="http://schemas.microsoft.com/office/drawing/2014/main" id="{389E5CE0-1F45-431E-9403-CEA086CD8645}"/>
+              </a:ext>
+            </a:extLst>
+          </p:cNvPr>
+          <p:cNvSpPr txBox="1"/>
+          <p:nvPr/>
+        </p:nvSpPr>
+        <p:spPr>
+          <a:xfrm>
+            <a:off x="2392016" y="1031793"/>
+            <a:ext cx="6175513" cy="523220"/>
+          </a:xfrm>
+          <a:prstGeom prst="rect">
+            <a:avLst/>
+          </a:prstGeom>
+          <a:noFill/>
+        </p:spPr>
+        <p:txBody>
+          <a:bodyPr wrap="square">
+            <a:spAutoFit/>
+          </a:bodyPr>
+          <a:lstStyle/>
+          <a:p>
+            <a:r>
+              <a:rPr lang="tr-TR" sz="2800">
+                <a:solidFill>
+                  <a:schemeClr val="accent1"/>
+                </a:solidFill>
+              </a:rPr>
+              <a:t>Jar ile War arasındaki farklar nelerdir ? </a:t>
             </a:r>
           </a:p>
         </p:txBody>
@@ -3796,7 +3846,7 @@
         <p:spPr>
           <a:xfrm>
             <a:off x="1192696" y="1325216"/>
-            <a:ext cx="7951304" cy="4247317"/>
+            <a:ext cx="7951304" cy="4401205"/>
           </a:xfrm>
           <a:prstGeom prst="rect">
             <a:avLst/>
@@ -3810,7 +3860,11 @@
           <a:lstStyle/>
           <a:p>
             <a:r>
-              <a:rPr lang="tr-TR"/>
+              <a:rPr lang="tr-TR" sz="2800">
+                <a:solidFill>
+                  <a:schemeClr val="accent1"/>
+                </a:solidFill>
+              </a:rPr>
               <a:t>Path Nedir ?</a:t>
             </a:r>
           </a:p>
@@ -3911,25 +3965,41 @@
           <a:lstStyle/>
           <a:p>
             <a:r>
-              <a:rPr lang="tr-TR"/>
-              <a:t>3. Hafta Ödevleri</a:t>
-            </a:r>
-          </a:p>
-          <a:p>
-            <a:r>
-              <a:rPr lang="tr-TR"/>
+              <a:rPr lang="tr-TR">
+                <a:solidFill>
+                  <a:schemeClr val="accent1"/>
+                </a:solidFill>
+              </a:rPr>
+              <a:t>                       3. Hafta Ödevleri</a:t>
+            </a:r>
+          </a:p>
+          <a:p>
+            <a:r>
+              <a:rPr lang="tr-TR">
+                <a:solidFill>
+                  <a:schemeClr val="accent1"/>
+                </a:solidFill>
+              </a:rPr>
               <a:t>Ödev 1 : ASCII code ile UNICODE nedir ? Farkları nelerdir ?</a:t>
             </a:r>
           </a:p>
           <a:p>
             <a:r>
-              <a:rPr lang="tr-TR"/>
+              <a:rPr lang="tr-TR">
+                <a:solidFill>
+                  <a:schemeClr val="accent1"/>
+                </a:solidFill>
+              </a:rPr>
               <a:t>Ödev 2 : Jar ile War arasındaki farklar nelerdir ? </a:t>
             </a:r>
           </a:p>
           <a:p>
             <a:r>
-              <a:rPr lang="tr-TR"/>
+              <a:rPr lang="tr-TR">
+                <a:solidFill>
+                  <a:schemeClr val="accent1"/>
+                </a:solidFill>
+              </a:rPr>
               <a:t>Ödev 3 : Absolute path nedir ?</a:t>
             </a:r>
           </a:p>
@@ -4009,8 +4079,8 @@
         </p:nvSpPr>
         <p:spPr>
           <a:xfrm rot="10800000" flipV="1">
-            <a:off x="2146850" y="878891"/>
-            <a:ext cx="6877879" cy="369332"/>
+            <a:off x="-377687" y="793196"/>
+            <a:ext cx="11410121" cy="523220"/>
           </a:xfrm>
           <a:prstGeom prst="rect">
             <a:avLst/>
@@ -4024,8 +4094,16 @@
           <a:lstStyle/>
           <a:p>
             <a:r>
-              <a:rPr lang="tr-TR"/>
-              <a:t>                         Ödev 1 : ASCII code ile UNICODE nedir ? Farkları nelerdir ?</a:t>
+              <a:rPr lang="tr-TR" sz="2800"/>
+              <a:t>                         </a:t>
+            </a:r>
+            <a:r>
+              <a:rPr lang="tr-TR" sz="2800">
+                <a:solidFill>
+                  <a:schemeClr val="accent1"/>
+                </a:solidFill>
+              </a:rPr>
+              <a:t>Ödev 1 : ASCII code ile UNICODE nedir ? Farkları nelerdir ?</a:t>
             </a:r>
           </a:p>
         </p:txBody>
@@ -4045,7 +4123,7 @@
         <p:spPr>
           <a:xfrm>
             <a:off x="1510748" y="1444488"/>
-            <a:ext cx="7633252" cy="3139321"/>
+            <a:ext cx="7633252" cy="3170099"/>
           </a:xfrm>
           <a:prstGeom prst="rect">
             <a:avLst/>
@@ -4059,7 +4137,13 @@
           <a:lstStyle/>
           <a:p>
             <a:r>
-              <a:rPr lang="tr-TR"/>
+              <a:rPr lang="tr-TR" sz="2000">
+                <a:solidFill>
+                  <a:schemeClr val="accent1">
+                    <a:lumMod val="50000"/>
+                  </a:schemeClr>
+                </a:solidFill>
+              </a:rPr>
               <a:t>ASCII</a:t>
             </a:r>
           </a:p>
@@ -4214,8 +4298,8 @@
         </p:nvSpPr>
         <p:spPr>
           <a:xfrm>
-            <a:off x="2173357" y="2120348"/>
-            <a:ext cx="7460973" cy="2031325"/>
+            <a:off x="2186609" y="1762540"/>
+            <a:ext cx="7447721" cy="2462213"/>
           </a:xfrm>
           <a:prstGeom prst="rect">
             <a:avLst/>
@@ -4229,8 +4313,22 @@
           <a:lstStyle/>
           <a:p>
             <a:r>
-              <a:rPr lang="tr-TR"/>
-              <a:t>Unicode, dijital, ve geleneksel medyada her bir karakter ve sembolleri benzersiz bir rakam yardımıyla oluşturmak için geliştirilen bir metin standartıdır. Adı “Universal” ve “Code” kelimelerinin bir araya getirilmesiyle oluşan Unicode, standartı 1980’li yıllarda geliştirilmiştir. Unicode’un geliştirilmesinin arında yatan temel neden ASCII, (American Standart Code, for Information Interchange) karakter kodlamasının daha gelişmiş ve stratejik bir sürümünün oluşturulabilmesidir.</a:t>
+              <a:rPr lang="tr-TR" sz="2800">
+                <a:solidFill>
+                  <a:schemeClr val="accent1"/>
+                </a:solidFill>
+              </a:rPr>
+              <a:t>Unicode</a:t>
+            </a:r>
+            <a:r>
+              <a:rPr lang="tr-TR"/>
+              <a:t>, </a:t>
+            </a:r>
+          </a:p>
+          <a:p>
+            <a:r>
+              <a:rPr lang="tr-TR"/>
+              <a:t>dijital, ve geleneksel medyada her bir karakter ve sembolleri benzersiz bir rakam yardımıyla oluşturmak için geliştirilen bir metin standartıdır. Adı “Universal” ve “Code” kelimelerinin bir araya getirilmesiyle oluşan Unicode, standartı 1980’li yıllarda geliştirilmiştir. Unicode’un geliştirilmesinin arında yatan temel neden ASCII, (American Standart Code, for Information Interchange) karakter kodlamasının daha gelişmiş ve stratejik bir sürümünün oluşturulabilmesidir.</a:t>
             </a:r>
           </a:p>
         </p:txBody>
@@ -4359,20 +4457,16 @@
             </a:r>
           </a:p>
           <a:p>
-            <a:pPr marL="285750" indent="-285750">
-              <a:buFont typeface="Wingdings" panose="05000000000000000000" pitchFamily="2" charset="2"/>
-              <a:buChar char="Ø"/>
-            </a:pPr>
-            <a:r>
-              <a:rPr lang="tr-TR"/>
-              <a:t>Unicode ve ASCII Başlıca Farklar;</a:t>
-            </a:r>
-          </a:p>
-          <a:p>
-            <a:pPr marL="285750" indent="-285750">
-              <a:buFont typeface="Wingdings" panose="05000000000000000000" pitchFamily="2" charset="2"/>
-              <a:buChar char="Ø"/>
-            </a:pPr>
+            <a:r>
+              <a:rPr lang="tr-TR">
+                <a:solidFill>
+                  <a:schemeClr val="accent1"/>
+                </a:solidFill>
+              </a:rPr>
+              <a:t>                                                   Unicode ve ASCII Başlıca Farklar;</a:t>
+            </a:r>
+          </a:p>
+          <a:p>
             <a:endParaRPr lang="tr-TR"/>
           </a:p>
           <a:p>
@@ -4560,8 +4654,8 @@
         </p:nvSpPr>
         <p:spPr>
           <a:xfrm>
-            <a:off x="2160104" y="874643"/>
-            <a:ext cx="6480314" cy="369332"/>
+            <a:off x="1855303" y="834886"/>
+            <a:ext cx="6440557" cy="523220"/>
           </a:xfrm>
           <a:prstGeom prst="rect">
             <a:avLst/>
@@ -4575,7 +4669,11 @@
           <a:lstStyle/>
           <a:p>
             <a:r>
-              <a:rPr lang="tr-TR"/>
+              <a:rPr lang="tr-TR" sz="2800">
+                <a:solidFill>
+                  <a:schemeClr val="accent1"/>
+                </a:solidFill>
+              </a:rPr>
               <a:t>Jar ile War arasındaki farklar nelerdir ? </a:t>
             </a:r>
           </a:p>
@@ -4596,7 +4694,7 @@
         <p:spPr>
           <a:xfrm>
             <a:off x="1325216" y="1507437"/>
-            <a:ext cx="7699513" cy="3693319"/>
+            <a:ext cx="9157254" cy="3477875"/>
           </a:xfrm>
           <a:prstGeom prst="rect">
             <a:avLst/>
@@ -4610,7 +4708,11 @@
           <a:lstStyle/>
           <a:p>
             <a:r>
-              <a:rPr lang="tr-TR"/>
+              <a:rPr lang="tr-TR" sz="2000">
+                <a:solidFill>
+                  <a:schemeClr val="accent1"/>
+                </a:solidFill>
+              </a:rPr>
               <a:t>JAR dosyası nedir?</a:t>
             </a:r>
           </a:p>
@@ -4625,7 +4727,11 @@
           </a:p>
           <a:p>
             <a:r>
-              <a:rPr lang="tr-TR"/>
+              <a:rPr lang="tr-TR" sz="2000">
+                <a:solidFill>
+                  <a:schemeClr val="accent1"/>
+                </a:solidFill>
+              </a:rPr>
               <a:t>JAR dosyası ne işe yarar?</a:t>
             </a:r>
           </a:p>
@@ -4682,7 +4788,7 @@
         <p:spPr>
           <a:xfrm>
             <a:off x="1736035" y="1298713"/>
-            <a:ext cx="8931965" cy="3139321"/>
+            <a:ext cx="8931965" cy="3293209"/>
           </a:xfrm>
           <a:prstGeom prst="rect">
             <a:avLst/>
@@ -4696,7 +4802,11 @@
           <a:lstStyle/>
           <a:p>
             <a:r>
-              <a:rPr lang="tr-TR"/>
+              <a:rPr lang="tr-TR" sz="2800">
+                <a:solidFill>
+                  <a:schemeClr val="accent1"/>
+                </a:solidFill>
+              </a:rPr>
               <a:t>JAR dosyası nasıl açılır?</a:t>
             </a:r>
           </a:p>
@@ -4705,44 +4815,84 @@
           </a:p>
           <a:p>
             <a:r>
-              <a:rPr lang="tr-TR"/>
-              <a:t>Adım 1: Buradan WinRAR programını indirin .</a:t>
-            </a:r>
-          </a:p>
-          <a:p>
-            <a:endParaRPr lang="tr-TR"/>
-          </a:p>
-          <a:p>
-            <a:r>
-              <a:rPr lang="tr-TR"/>
-              <a:t>Adım 2: Program kurulumunu tamamlayın.</a:t>
-            </a:r>
-          </a:p>
-          <a:p>
-            <a:endParaRPr lang="tr-TR"/>
-          </a:p>
-          <a:p>
-            <a:r>
-              <a:rPr lang="tr-TR"/>
-              <a:t>Adım 3: Görüntülemek istediğiniz JAR dosyasını yüklemiş olduğunuz program üzerinden açın.</a:t>
-            </a:r>
-          </a:p>
-          <a:p>
-            <a:endParaRPr lang="tr-TR"/>
-          </a:p>
-          <a:p>
-            <a:r>
-              <a:rPr lang="tr-TR"/>
-              <a:t>Adım 4: JAR dosyası içindeki verileri sürükle - bırak yöntemi ile farklı bir klasöre kaydedin.</a:t>
-            </a:r>
-          </a:p>
-          <a:p>
-            <a:endParaRPr lang="tr-TR"/>
-          </a:p>
-          <a:p>
-            <a:r>
-              <a:rPr lang="tr-TR"/>
-              <a:t>Adım 5: İşlem tamam.</a:t>
+              <a:rPr lang="tr-TR">
+                <a:solidFill>
+                  <a:schemeClr val="accent1"/>
+                </a:solidFill>
+              </a:rPr>
+              <a:t>Adım 1: </a:t>
+            </a:r>
+            <a:r>
+              <a:rPr lang="tr-TR"/>
+              <a:t>Buradan WinRAR programını indirin .</a:t>
+            </a:r>
+          </a:p>
+          <a:p>
+            <a:endParaRPr lang="tr-TR"/>
+          </a:p>
+          <a:p>
+            <a:r>
+              <a:rPr lang="tr-TR">
+                <a:solidFill>
+                  <a:schemeClr val="accent1"/>
+                </a:solidFill>
+              </a:rPr>
+              <a:t>Adım 2: </a:t>
+            </a:r>
+            <a:r>
+              <a:rPr lang="tr-TR"/>
+              <a:t>Program kurulumunu tamamlayın.</a:t>
+            </a:r>
+          </a:p>
+          <a:p>
+            <a:endParaRPr lang="tr-TR"/>
+          </a:p>
+          <a:p>
+            <a:r>
+              <a:rPr lang="tr-TR">
+                <a:solidFill>
+                  <a:schemeClr val="accent1"/>
+                </a:solidFill>
+              </a:rPr>
+              <a:t>Adım 3: </a:t>
+            </a:r>
+            <a:r>
+              <a:rPr lang="tr-TR"/>
+              <a:t>Görüntülemek istediğiniz JAR dosyasını yüklemiş olduğunuz program üzerinden açın.</a:t>
+            </a:r>
+          </a:p>
+          <a:p>
+            <a:endParaRPr lang="tr-TR"/>
+          </a:p>
+          <a:p>
+            <a:r>
+              <a:rPr lang="tr-TR">
+                <a:solidFill>
+                  <a:schemeClr val="accent1"/>
+                </a:solidFill>
+              </a:rPr>
+              <a:t>Adım 4: </a:t>
+            </a:r>
+            <a:r>
+              <a:rPr lang="tr-TR"/>
+              <a:t>JAR dosyası içindeki verileri sürükle - bırak yöntemi ile farklı bir klasöre kaydedin.</a:t>
+            </a:r>
+          </a:p>
+          <a:p>
+            <a:endParaRPr lang="tr-TR"/>
+          </a:p>
+          <a:p>
+            <a:r>
+              <a:rPr lang="tr-TR">
+                <a:solidFill>
+                  <a:schemeClr val="accent1"/>
+                </a:solidFill>
+              </a:rPr>
+              <a:t>Adım 5: </a:t>
+            </a:r>
+            <a:r>
+              <a:rPr lang="tr-TR"/>
+              <a:t>İşlem tamam.</a:t>
             </a:r>
           </a:p>
         </p:txBody>
